--- a/Proposals/powerpoint.pptx
+++ b/Proposals/powerpoint.pptx
@@ -6373,8 +6373,13 @@
           <a:p>
             <a:r>
               <a:rPr lang="en-US" dirty="0" smtClean="0"/>
-              <a:t>First iteration was completed using Glassfish and Java servlets</a:t>
-            </a:r>
+              <a:t>First iteration was completed using </a:t>
+            </a:r>
+            <a:r>
+              <a:rPr lang="en-US" smtClean="0"/>
+              <a:t>Glassfish with Java servlets and JSP</a:t>
+            </a:r>
+            <a:endParaRPr lang="en-US" dirty="0" smtClean="0"/>
           </a:p>
           <a:p>
             <a:endParaRPr lang="en-US" dirty="0"/>
@@ -6496,12 +6501,12 @@
                         </a:spcAft>
                       </a:pPr>
                       <a:r>
-                        <a:rPr lang="en-US" sz="1600">
+                        <a:rPr lang="en-US" sz="1600" dirty="0">
                           <a:effectLst/>
                         </a:rPr>
                         <a:t>Story</a:t>
                       </a:r>
-                      <a:endParaRPr lang="en-US" sz="1100">
+                      <a:endParaRPr lang="en-US" sz="1100" dirty="0">
                         <a:effectLst/>
                         <a:latin typeface="Calibri" panose="020F0502020204030204" pitchFamily="34" charset="0"/>
                         <a:ea typeface="Calibri" panose="020F0502020204030204" pitchFamily="34" charset="0"/>
@@ -6528,12 +6533,12 @@
                         </a:spcAft>
                       </a:pPr>
                       <a:r>
-                        <a:rPr lang="en-US" sz="1600">
+                        <a:rPr lang="en-US" sz="1600" dirty="0">
                           <a:effectLst/>
                         </a:rPr>
                         <a:t>Value</a:t>
                       </a:r>
-                      <a:endParaRPr lang="en-US" sz="1100">
+                      <a:endParaRPr lang="en-US" sz="1100" dirty="0">
                         <a:effectLst/>
                         <a:latin typeface="Calibri" panose="020F0502020204030204" pitchFamily="34" charset="0"/>
                         <a:ea typeface="Calibri" panose="020F0502020204030204" pitchFamily="34" charset="0"/>
